--- a/science/circuit5.pptx
+++ b/science/circuit5.pptx
@@ -1847,7 +1847,7 @@
           </a:ln>
           <a:extLst>
             <a:ext uri="{C572A759-6A51-4108-AA02-DFA0A04FC94B}">
-              <ma14:wrappingTextBoxFlag xmlns="" xmlns:ma14="http://schemas.microsoft.com/office/mac/drawingml/2011/main" val="1"/>
+              <ma14:wrappingTextBoxFlag xmlns:ma14="http://schemas.microsoft.com/office/mac/drawingml/2011/main" xmlns="" val="1"/>
             </a:ext>
           </a:extLst>
         </p:spPr>
@@ -1890,7 +1890,7 @@
           </a:ln>
           <a:extLst>
             <a:ext uri="{C572A759-6A51-4108-AA02-DFA0A04FC94B}">
-              <ma14:wrappingTextBoxFlag xmlns="" xmlns:ma14="http://schemas.microsoft.com/office/mac/drawingml/2011/main" val="1"/>
+              <ma14:wrappingTextBoxFlag xmlns:ma14="http://schemas.microsoft.com/office/mac/drawingml/2011/main" xmlns="" val="1"/>
             </a:ext>
           </a:extLst>
         </p:spPr>
@@ -16432,7 +16432,7 @@
         </p:nvSpPr>
         <p:spPr bwMode="auto">
           <a:xfrm rot="16200000" flipH="1">
-            <a:off x="4974542" y="645032"/>
+            <a:off x="4974542" y="632332"/>
             <a:ext cx="182880" cy="731520"/>
           </a:xfrm>
           <a:custGeom>
@@ -16546,7 +16546,7 @@
         </p:nvSpPr>
         <p:spPr bwMode="auto">
           <a:xfrm rot="16200000" flipH="1">
-            <a:off x="5703138" y="872588"/>
+            <a:off x="5703138" y="1037688"/>
             <a:ext cx="182880" cy="731520"/>
           </a:xfrm>
           <a:custGeom>
@@ -16863,7 +16863,7 @@
         </p:nvCxnSpPr>
         <p:spPr>
           <a:xfrm flipV="1">
-            <a:off x="6160338" y="809013"/>
+            <a:off x="6160338" y="986813"/>
             <a:ext cx="0" cy="429335"/>
           </a:xfrm>
           <a:prstGeom prst="line">
@@ -16906,7 +16906,7 @@
         </p:nvCxnSpPr>
         <p:spPr>
           <a:xfrm flipV="1">
-            <a:off x="5419858" y="796124"/>
+            <a:off x="5419858" y="973924"/>
             <a:ext cx="0" cy="429335"/>
           </a:xfrm>
           <a:prstGeom prst="line">
@@ -16947,7 +16947,7 @@
         </p:nvCxnSpPr>
         <p:spPr>
           <a:xfrm>
-            <a:off x="6153648" y="1008205"/>
+            <a:off x="6153648" y="995505"/>
             <a:ext cx="399288" cy="1588"/>
           </a:xfrm>
           <a:prstGeom prst="line">
@@ -16988,7 +16988,7 @@
         </p:nvSpPr>
         <p:spPr>
           <a:xfrm>
-            <a:off x="4583230" y="969856"/>
+            <a:off x="4583230" y="957156"/>
             <a:ext cx="115442" cy="97191"/>
           </a:xfrm>
           <a:prstGeom prst="ellipse">
@@ -17078,8 +17078,8 @@
           </a:p>
         </p:txBody>
       </p:sp>
-      <mc:AlternateContent xmlns:mc="http://schemas.openxmlformats.org/markup-compatibility/2006">
-        <mc:Choice xmlns:a14="http://schemas.microsoft.com/office/drawing/2010/main" Requires="a14">
+      <mc:AlternateContent xmlns:mc="http://schemas.openxmlformats.org/markup-compatibility/2006" xmlns:a14="http://schemas.microsoft.com/office/drawing/2010/main">
+        <mc:Choice Requires="a14">
           <p:sp>
             <p:nvSpPr>
               <p:cNvPr id="13" name="TextBox 12">
@@ -17482,7 +17482,7 @@
             </p:txBody>
           </p:sp>
         </mc:Choice>
-        <mc:Fallback>
+        <mc:Fallback xmlns="">
           <p:sp>
             <p:nvSpPr>
               <p:cNvPr id="13" name="TextBox 12">
